--- a/11) 인터페이스.pptx
+++ b/11) 인터페이스.pptx
@@ -7001,9 +7001,9 @@
         <p:grpSpPr>
           <a:xfrm>
             <a:off x="159191" y="1412673"/>
-            <a:ext cx="8639576" cy="5444033"/>
+            <a:ext cx="8639576" cy="5628699"/>
             <a:chOff x="5203632" y="2171892"/>
-            <a:chExt cx="5277678" cy="5444033"/>
+            <a:chExt cx="5277678" cy="5628699"/>
           </a:xfrm>
         </p:grpSpPr>
         <p:sp>
@@ -7080,7 +7080,7 @@
           <p:spPr>
             <a:xfrm>
               <a:off x="5203632" y="2722278"/>
-              <a:ext cx="5277678" cy="4893647"/>
+              <a:ext cx="5277678" cy="5078313"/>
             </a:xfrm>
             <a:prstGeom prst="rect">
               <a:avLst/>
@@ -7167,80 +7167,7 @@
                   <a:latin typeface="맑은 고딕" panose="020B0503020000020004" pitchFamily="50" charset="-127"/>
                   <a:ea typeface="맑은 고딕" panose="020B0503020000020004" pitchFamily="50" charset="-127"/>
                 </a:rPr>
-                <a:t>        // Scanner</a:t>
-              </a:r>
-              <a:r>
-                <a:rPr lang="ko-KR" altLang="en-US" sz="1200" dirty="0">
-                  <a:ln>
-                    <a:solidFill>
-                      <a:schemeClr val="tx1">
-                        <a:alpha val="30000"/>
-                      </a:schemeClr>
-                    </a:solidFill>
-                  </a:ln>
-                  <a:latin typeface="맑은 고딕" panose="020B0503020000020004" pitchFamily="50" charset="-127"/>
-                  <a:ea typeface="맑은 고딕" panose="020B0503020000020004" pitchFamily="50" charset="-127"/>
-                </a:rPr>
-                <a:t>를 통하여 </a:t>
-              </a:r>
-              <a:r>
-                <a:rPr lang="en-US" altLang="ko-KR" sz="1200" dirty="0">
-                  <a:ln>
-                    <a:solidFill>
-                      <a:schemeClr val="tx1">
-                        <a:alpha val="30000"/>
-                      </a:schemeClr>
-                    </a:solidFill>
-                  </a:ln>
-                  <a:latin typeface="맑은 고딕" panose="020B0503020000020004" pitchFamily="50" charset="-127"/>
-                  <a:ea typeface="맑은 고딕" panose="020B0503020000020004" pitchFamily="50" charset="-127"/>
-                </a:rPr>
-                <a:t>char </a:t>
-              </a:r>
-              <a:r>
-                <a:rPr lang="ko-KR" altLang="en-US" sz="1200" dirty="0">
-                  <a:ln>
-                    <a:solidFill>
-                      <a:schemeClr val="tx1">
-                        <a:alpha val="30000"/>
-                      </a:schemeClr>
-                    </a:solidFill>
-                  </a:ln>
-                  <a:latin typeface="맑은 고딕" panose="020B0503020000020004" pitchFamily="50" charset="-127"/>
-                  <a:ea typeface="맑은 고딕" panose="020B0503020000020004" pitchFamily="50" charset="-127"/>
-                </a:rPr>
-                <a:t>문자열을 입력 받도록 한다</a:t>
-              </a:r>
-              <a:r>
-                <a:rPr lang="en-US" altLang="ko-KR" sz="1200" dirty="0">
-                  <a:ln>
-                    <a:solidFill>
-                      <a:schemeClr val="tx1">
-                        <a:alpha val="30000"/>
-                      </a:schemeClr>
-                    </a:solidFill>
-                  </a:ln>
-                  <a:latin typeface="맑은 고딕" panose="020B0503020000020004" pitchFamily="50" charset="-127"/>
-                  <a:ea typeface="맑은 고딕" panose="020B0503020000020004" pitchFamily="50" charset="-127"/>
-                </a:rPr>
-                <a:t>.</a:t>
-              </a:r>
-            </a:p>
-            <a:p>
-              <a:pPr algn="just"/>
-              <a:r>
-                <a:rPr lang="en-US" altLang="ko-KR" sz="1200" dirty="0">
-                  <a:ln>
-                    <a:solidFill>
-                      <a:schemeClr val="tx1">
-                        <a:alpha val="30000"/>
-                      </a:schemeClr>
-                    </a:solidFill>
-                  </a:ln>
-                  <a:latin typeface="맑은 고딕" panose="020B0503020000020004" pitchFamily="50" charset="-127"/>
-                  <a:ea typeface="맑은 고딕" panose="020B0503020000020004" pitchFamily="50" charset="-127"/>
-                </a:rPr>
-                <a:t>        char </a:t>
+                <a:t>		Scanner </a:t>
               </a:r>
               <a:r>
                 <a:rPr lang="en-US" altLang="ko-KR" sz="1200" dirty="0" err="1">
@@ -7254,77 +7181,21 @@
                   <a:latin typeface="맑은 고딕" panose="020B0503020000020004" pitchFamily="50" charset="-127"/>
                   <a:ea typeface="맑은 고딕" panose="020B0503020000020004" pitchFamily="50" charset="-127"/>
                 </a:rPr>
-                <a:t>ch</a:t>
-              </a:r>
-              <a:r>
-                <a:rPr lang="en-US" altLang="ko-KR" sz="1200" dirty="0">
-                  <a:ln>
-                    <a:solidFill>
-                      <a:schemeClr val="tx1">
-                        <a:alpha val="30000"/>
-                      </a:schemeClr>
-                    </a:solidFill>
-                  </a:ln>
-                  <a:latin typeface="맑은 고딕" panose="020B0503020000020004" pitchFamily="50" charset="-127"/>
-                  <a:ea typeface="맑은 고딕" panose="020B0503020000020004" pitchFamily="50" charset="-127"/>
-                </a:rPr>
-                <a:t> = ‘’; </a:t>
-              </a:r>
-              <a:r>
-                <a:rPr lang="en-US" altLang="ko-KR" sz="1200" dirty="0" err="1">
-                  <a:ln>
-                    <a:solidFill>
-                      <a:schemeClr val="tx1">
-                        <a:alpha val="30000"/>
-                      </a:schemeClr>
-                    </a:solidFill>
-                  </a:ln>
-                  <a:latin typeface="맑은 고딕" panose="020B0503020000020004" pitchFamily="50" charset="-127"/>
-                  <a:ea typeface="맑은 고딕" panose="020B0503020000020004" pitchFamily="50" charset="-127"/>
-                </a:rPr>
-                <a:t>boolean</a:t>
-              </a:r>
-              <a:r>
-                <a:rPr lang="en-US" altLang="ko-KR" sz="1200" dirty="0">
-                  <a:ln>
-                    <a:solidFill>
-                      <a:schemeClr val="tx1">
-                        <a:alpha val="30000"/>
-                      </a:schemeClr>
-                    </a:solidFill>
-                  </a:ln>
-                  <a:latin typeface="맑은 고딕" panose="020B0503020000020004" pitchFamily="50" charset="-127"/>
-                  <a:ea typeface="맑은 고딕" panose="020B0503020000020004" pitchFamily="50" charset="-127"/>
-                </a:rPr>
-                <a:t> </a:t>
-              </a:r>
-              <a:r>
-                <a:rPr lang="en-US" altLang="ko-KR" sz="1200" dirty="0" err="1">
-                  <a:ln>
-                    <a:solidFill>
-                      <a:schemeClr val="tx1">
-                        <a:alpha val="30000"/>
-                      </a:schemeClr>
-                    </a:solidFill>
-                  </a:ln>
-                  <a:latin typeface="맑은 고딕" panose="020B0503020000020004" pitchFamily="50" charset="-127"/>
-                  <a:ea typeface="맑은 고딕" panose="020B0503020000020004" pitchFamily="50" charset="-127"/>
-                </a:rPr>
-                <a:t>isSupport</a:t>
-              </a:r>
-              <a:r>
-                <a:rPr lang="en-US" altLang="ko-KR" sz="1200" dirty="0">
-                  <a:ln>
-                    <a:solidFill>
-                      <a:schemeClr val="tx1">
-                        <a:alpha val="30000"/>
-                      </a:schemeClr>
-                    </a:solidFill>
-                  </a:ln>
-                  <a:latin typeface="맑은 고딕" panose="020B0503020000020004" pitchFamily="50" charset="-127"/>
-                  <a:ea typeface="맑은 고딕" panose="020B0503020000020004" pitchFamily="50" charset="-127"/>
-                </a:rPr>
-                <a:t> = true;</a:t>
+                <a:t>sc</a:t>
+              </a:r>
+              <a:r>
+                <a:rPr lang="en-US" altLang="ko-KR" sz="1200" dirty="0">
+                  <a:ln>
+                    <a:solidFill>
+                      <a:schemeClr val="tx1">
+                        <a:alpha val="30000"/>
+                      </a:schemeClr>
+                    </a:solidFill>
+                  </a:ln>
+                  <a:latin typeface="맑은 고딕" panose="020B0503020000020004" pitchFamily="50" charset="-127"/>
+                  <a:ea typeface="맑은 고딕" panose="020B0503020000020004" pitchFamily="50" charset="-127"/>
+                </a:rPr>
+                <a:t> = new Scanner(System.in);</a:t>
               </a:r>
             </a:p>
             <a:p>
@@ -7355,7 +7226,7 @@
                   <a:latin typeface="맑은 고딕" panose="020B0503020000020004" pitchFamily="50" charset="-127"/>
                   <a:ea typeface="맑은 고딕" panose="020B0503020000020004" pitchFamily="50" charset="-127"/>
                 </a:rPr>
-                <a:t>        Scheduler </a:t>
+                <a:t>		</a:t>
               </a:r>
               <a:r>
                 <a:rPr lang="en-US" altLang="ko-KR" sz="1200" dirty="0" err="1">
@@ -7369,21 +7240,49 @@
                   <a:latin typeface="맑은 고딕" panose="020B0503020000020004" pitchFamily="50" charset="-127"/>
                   <a:ea typeface="맑은 고딕" panose="020B0503020000020004" pitchFamily="50" charset="-127"/>
                 </a:rPr>
-                <a:t>scheduler</a:t>
-              </a:r>
-              <a:r>
-                <a:rPr lang="en-US" altLang="ko-KR" sz="1200" dirty="0">
-                  <a:ln>
-                    <a:solidFill>
-                      <a:schemeClr val="tx1">
-                        <a:alpha val="30000"/>
-                      </a:schemeClr>
-                    </a:solidFill>
-                  </a:ln>
-                  <a:latin typeface="맑은 고딕" panose="020B0503020000020004" pitchFamily="50" charset="-127"/>
-                  <a:ea typeface="맑은 고딕" panose="020B0503020000020004" pitchFamily="50" charset="-127"/>
-                </a:rPr>
-                <a:t> = null;</a:t>
+                <a:t>System.out.println</a:t>
+              </a:r>
+              <a:r>
+                <a:rPr lang="en-US" altLang="ko-KR" sz="1200" dirty="0">
+                  <a:ln>
+                    <a:solidFill>
+                      <a:schemeClr val="tx1">
+                        <a:alpha val="30000"/>
+                      </a:schemeClr>
+                    </a:solidFill>
+                  </a:ln>
+                  <a:latin typeface="맑은 고딕" panose="020B0503020000020004" pitchFamily="50" charset="-127"/>
+                  <a:ea typeface="맑은 고딕" panose="020B0503020000020004" pitchFamily="50" charset="-127"/>
+                </a:rPr>
+                <a:t>("</a:t>
+              </a:r>
+              <a:r>
+                <a:rPr lang="ko-KR" altLang="en-US" sz="1200" dirty="0">
+                  <a:ln>
+                    <a:solidFill>
+                      <a:schemeClr val="tx1">
+                        <a:alpha val="30000"/>
+                      </a:schemeClr>
+                    </a:solidFill>
+                  </a:ln>
+                  <a:latin typeface="맑은 고딕" panose="020B0503020000020004" pitchFamily="50" charset="-127"/>
+                  <a:ea typeface="맑은 고딕" panose="020B0503020000020004" pitchFamily="50" charset="-127"/>
+                </a:rPr>
+                <a:t>상담원 선택 </a:t>
+              </a:r>
+              <a:r>
+                <a:rPr lang="en-US" altLang="ko-KR" sz="1200" dirty="0">
+                  <a:ln>
+                    <a:solidFill>
+                      <a:schemeClr val="tx1">
+                        <a:alpha val="30000"/>
+                      </a:schemeClr>
+                    </a:solidFill>
+                  </a:ln>
+                  <a:latin typeface="맑은 고딕" panose="020B0503020000020004" pitchFamily="50" charset="-127"/>
+                  <a:ea typeface="맑은 고딕" panose="020B0503020000020004" pitchFamily="50" charset="-127"/>
+                </a:rPr>
+                <a:t>: ");</a:t>
               </a:r>
             </a:p>
             <a:p>
@@ -7400,7 +7299,7 @@
                   <a:latin typeface="맑은 고딕" panose="020B0503020000020004" pitchFamily="50" charset="-127"/>
                   <a:ea typeface="맑은 고딕" panose="020B0503020000020004" pitchFamily="50" charset="-127"/>
                 </a:rPr>
-                <a:t>        if(</a:t>
+                <a:t>		String </a:t>
               </a:r>
               <a:r>
                 <a:rPr lang="en-US" altLang="ko-KR" sz="1200" dirty="0" err="1">
@@ -7428,7 +7327,7 @@
                   <a:latin typeface="맑은 고딕" panose="020B0503020000020004" pitchFamily="50" charset="-127"/>
                   <a:ea typeface="맑은 고딕" panose="020B0503020000020004" pitchFamily="50" charset="-127"/>
                 </a:rPr>
-                <a:t> == ‘R’ || </a:t>
+                <a:t> = </a:t>
               </a:r>
               <a:r>
                 <a:rPr lang="en-US" altLang="ko-KR" sz="1200" dirty="0" err="1">
@@ -7442,21 +7341,21 @@
                   <a:latin typeface="맑은 고딕" panose="020B0503020000020004" pitchFamily="50" charset="-127"/>
                   <a:ea typeface="맑은 고딕" panose="020B0503020000020004" pitchFamily="50" charset="-127"/>
                 </a:rPr>
-                <a:t>ch</a:t>
-              </a:r>
-              <a:r>
-                <a:rPr lang="en-US" altLang="ko-KR" sz="1200" dirty="0">
-                  <a:ln>
-                    <a:solidFill>
-                      <a:schemeClr val="tx1">
-                        <a:alpha val="30000"/>
-                      </a:schemeClr>
-                    </a:solidFill>
-                  </a:ln>
-                  <a:latin typeface="맑은 고딕" panose="020B0503020000020004" pitchFamily="50" charset="-127"/>
-                  <a:ea typeface="맑은 고딕" panose="020B0503020000020004" pitchFamily="50" charset="-127"/>
-                </a:rPr>
-                <a:t> == ‘r’) {</a:t>
+                <a:t>sc.next</a:t>
+              </a:r>
+              <a:r>
+                <a:rPr lang="en-US" altLang="ko-KR" sz="1200" dirty="0">
+                  <a:ln>
+                    <a:solidFill>
+                      <a:schemeClr val="tx1">
+                        <a:alpha val="30000"/>
+                      </a:schemeClr>
+                    </a:solidFill>
+                  </a:ln>
+                  <a:latin typeface="맑은 고딕" panose="020B0503020000020004" pitchFamily="50" charset="-127"/>
+                  <a:ea typeface="맑은 고딕" panose="020B0503020000020004" pitchFamily="50" charset="-127"/>
+                </a:rPr>
+                <a:t>();</a:t>
               </a:r>
             </a:p>
             <a:p>
@@ -7473,7 +7372,7 @@
                   <a:latin typeface="맑은 고딕" panose="020B0503020000020004" pitchFamily="50" charset="-127"/>
                   <a:ea typeface="맑은 고딕" panose="020B0503020000020004" pitchFamily="50" charset="-127"/>
                 </a:rPr>
-                <a:t>             scheduler = new </a:t>
+                <a:t>		</a:t>
               </a:r>
               <a:r>
                 <a:rPr lang="en-US" altLang="ko-KR" sz="1200" dirty="0" err="1">
@@ -7487,55 +7386,21 @@
                   <a:latin typeface="맑은 고딕" panose="020B0503020000020004" pitchFamily="50" charset="-127"/>
                   <a:ea typeface="맑은 고딕" panose="020B0503020000020004" pitchFamily="50" charset="-127"/>
                 </a:rPr>
-                <a:t>RoundRobin</a:t>
-              </a:r>
-              <a:r>
-                <a:rPr lang="en-US" altLang="ko-KR" sz="1200" dirty="0">
-                  <a:ln>
-                    <a:solidFill>
-                      <a:schemeClr val="tx1">
-                        <a:alpha val="30000"/>
-                      </a:schemeClr>
-                    </a:solidFill>
-                  </a:ln>
-                  <a:latin typeface="맑은 고딕" panose="020B0503020000020004" pitchFamily="50" charset="-127"/>
-                  <a:ea typeface="맑은 고딕" panose="020B0503020000020004" pitchFamily="50" charset="-127"/>
-                </a:rPr>
-                <a:t>();</a:t>
-              </a:r>
-            </a:p>
-            <a:p>
-              <a:pPr algn="just"/>
-              <a:r>
-                <a:rPr lang="en-US" altLang="ko-KR" sz="1200" dirty="0">
-                  <a:ln>
-                    <a:solidFill>
-                      <a:schemeClr val="tx1">
-                        <a:alpha val="30000"/>
-                      </a:schemeClr>
-                    </a:solidFill>
-                  </a:ln>
-                  <a:latin typeface="맑은 고딕" panose="020B0503020000020004" pitchFamily="50" charset="-127"/>
-                  <a:ea typeface="맑은 고딕" panose="020B0503020000020004" pitchFamily="50" charset="-127"/>
-                </a:rPr>
-                <a:t>        }</a:t>
-              </a:r>
-            </a:p>
-            <a:p>
-              <a:pPr algn="just"/>
-              <a:r>
-                <a:rPr lang="en-US" altLang="ko-KR" sz="1200" dirty="0">
-                  <a:ln>
-                    <a:solidFill>
-                      <a:schemeClr val="tx1">
-                        <a:alpha val="30000"/>
-                      </a:schemeClr>
-                    </a:solidFill>
-                  </a:ln>
-                  <a:latin typeface="맑은 고딕" panose="020B0503020000020004" pitchFamily="50" charset="-127"/>
-                  <a:ea typeface="맑은 고딕" panose="020B0503020000020004" pitchFamily="50" charset="-127"/>
-                </a:rPr>
-                <a:t>        else if(</a:t>
+                <a:t>boolean</a:t>
+              </a:r>
+              <a:r>
+                <a:rPr lang="en-US" altLang="ko-KR" sz="1200" dirty="0">
+                  <a:ln>
+                    <a:solidFill>
+                      <a:schemeClr val="tx1">
+                        <a:alpha val="30000"/>
+                      </a:schemeClr>
+                    </a:solidFill>
+                  </a:ln>
+                  <a:latin typeface="맑은 고딕" panose="020B0503020000020004" pitchFamily="50" charset="-127"/>
+                  <a:ea typeface="맑은 고딕" panose="020B0503020000020004" pitchFamily="50" charset="-127"/>
+                </a:rPr>
+                <a:t> </a:t>
               </a:r>
               <a:r>
                 <a:rPr lang="en-US" altLang="ko-KR" sz="1200" dirty="0" err="1">
@@ -7549,366 +7414,6 @@
                   <a:latin typeface="맑은 고딕" panose="020B0503020000020004" pitchFamily="50" charset="-127"/>
                   <a:ea typeface="맑은 고딕" panose="020B0503020000020004" pitchFamily="50" charset="-127"/>
                 </a:rPr>
-                <a:t>ch</a:t>
-              </a:r>
-              <a:r>
-                <a:rPr lang="en-US" altLang="ko-KR" sz="1200" dirty="0">
-                  <a:ln>
-                    <a:solidFill>
-                      <a:schemeClr val="tx1">
-                        <a:alpha val="30000"/>
-                      </a:schemeClr>
-                    </a:solidFill>
-                  </a:ln>
-                  <a:latin typeface="맑은 고딕" panose="020B0503020000020004" pitchFamily="50" charset="-127"/>
-                  <a:ea typeface="맑은 고딕" panose="020B0503020000020004" pitchFamily="50" charset="-127"/>
-                </a:rPr>
-                <a:t> == ‘L’ || </a:t>
-              </a:r>
-              <a:r>
-                <a:rPr lang="en-US" altLang="ko-KR" sz="1200" dirty="0" err="1">
-                  <a:ln>
-                    <a:solidFill>
-                      <a:schemeClr val="tx1">
-                        <a:alpha val="30000"/>
-                      </a:schemeClr>
-                    </a:solidFill>
-                  </a:ln>
-                  <a:latin typeface="맑은 고딕" panose="020B0503020000020004" pitchFamily="50" charset="-127"/>
-                  <a:ea typeface="맑은 고딕" panose="020B0503020000020004" pitchFamily="50" charset="-127"/>
-                </a:rPr>
-                <a:t>ch</a:t>
-              </a:r>
-              <a:r>
-                <a:rPr lang="en-US" altLang="ko-KR" sz="1200" dirty="0">
-                  <a:ln>
-                    <a:solidFill>
-                      <a:schemeClr val="tx1">
-                        <a:alpha val="30000"/>
-                      </a:schemeClr>
-                    </a:solidFill>
-                  </a:ln>
-                  <a:latin typeface="맑은 고딕" panose="020B0503020000020004" pitchFamily="50" charset="-127"/>
-                  <a:ea typeface="맑은 고딕" panose="020B0503020000020004" pitchFamily="50" charset="-127"/>
-                </a:rPr>
-                <a:t> == ‘1’) {</a:t>
-              </a:r>
-            </a:p>
-            <a:p>
-              <a:pPr algn="just"/>
-              <a:r>
-                <a:rPr lang="en-US" altLang="ko-KR" sz="1200" dirty="0">
-                  <a:ln>
-                    <a:solidFill>
-                      <a:schemeClr val="tx1">
-                        <a:alpha val="30000"/>
-                      </a:schemeClr>
-                    </a:solidFill>
-                  </a:ln>
-                  <a:latin typeface="맑은 고딕" panose="020B0503020000020004" pitchFamily="50" charset="-127"/>
-                  <a:ea typeface="맑은 고딕" panose="020B0503020000020004" pitchFamily="50" charset="-127"/>
-                </a:rPr>
-                <a:t>            scheduler = new </a:t>
-              </a:r>
-              <a:r>
-                <a:rPr lang="en-US" altLang="ko-KR" sz="1200" dirty="0" err="1">
-                  <a:ln>
-                    <a:solidFill>
-                      <a:schemeClr val="tx1">
-                        <a:alpha val="30000"/>
-                      </a:schemeClr>
-                    </a:solidFill>
-                  </a:ln>
-                  <a:latin typeface="맑은 고딕" panose="020B0503020000020004" pitchFamily="50" charset="-127"/>
-                  <a:ea typeface="맑은 고딕" panose="020B0503020000020004" pitchFamily="50" charset="-127"/>
-                </a:rPr>
-                <a:t>LeastJob</a:t>
-              </a:r>
-              <a:r>
-                <a:rPr lang="en-US" altLang="ko-KR" sz="1200" dirty="0">
-                  <a:ln>
-                    <a:solidFill>
-                      <a:schemeClr val="tx1">
-                        <a:alpha val="30000"/>
-                      </a:schemeClr>
-                    </a:solidFill>
-                  </a:ln>
-                  <a:latin typeface="맑은 고딕" panose="020B0503020000020004" pitchFamily="50" charset="-127"/>
-                  <a:ea typeface="맑은 고딕" panose="020B0503020000020004" pitchFamily="50" charset="-127"/>
-                </a:rPr>
-                <a:t>();</a:t>
-              </a:r>
-            </a:p>
-            <a:p>
-              <a:pPr algn="just"/>
-              <a:r>
-                <a:rPr lang="en-US" altLang="ko-KR" sz="1200" dirty="0">
-                  <a:ln>
-                    <a:solidFill>
-                      <a:schemeClr val="tx1">
-                        <a:alpha val="30000"/>
-                      </a:schemeClr>
-                    </a:solidFill>
-                  </a:ln>
-                  <a:latin typeface="맑은 고딕" panose="020B0503020000020004" pitchFamily="50" charset="-127"/>
-                  <a:ea typeface="맑은 고딕" panose="020B0503020000020004" pitchFamily="50" charset="-127"/>
-                </a:rPr>
-                <a:t>        }</a:t>
-              </a:r>
-            </a:p>
-            <a:p>
-              <a:pPr algn="just"/>
-              <a:r>
-                <a:rPr lang="en-US" altLang="ko-KR" sz="1200" dirty="0">
-                  <a:ln>
-                    <a:solidFill>
-                      <a:schemeClr val="tx1">
-                        <a:alpha val="30000"/>
-                      </a:schemeClr>
-                    </a:solidFill>
-                  </a:ln>
-                  <a:latin typeface="맑은 고딕" panose="020B0503020000020004" pitchFamily="50" charset="-127"/>
-                  <a:ea typeface="맑은 고딕" panose="020B0503020000020004" pitchFamily="50" charset="-127"/>
-                </a:rPr>
-                <a:t>        else if(</a:t>
-              </a:r>
-              <a:r>
-                <a:rPr lang="en-US" altLang="ko-KR" sz="1200" dirty="0" err="1">
-                  <a:ln>
-                    <a:solidFill>
-                      <a:schemeClr val="tx1">
-                        <a:alpha val="30000"/>
-                      </a:schemeClr>
-                    </a:solidFill>
-                  </a:ln>
-                  <a:latin typeface="맑은 고딕" panose="020B0503020000020004" pitchFamily="50" charset="-127"/>
-                  <a:ea typeface="맑은 고딕" panose="020B0503020000020004" pitchFamily="50" charset="-127"/>
-                </a:rPr>
-                <a:t>ch</a:t>
-              </a:r>
-              <a:r>
-                <a:rPr lang="en-US" altLang="ko-KR" sz="1200" dirty="0">
-                  <a:ln>
-                    <a:solidFill>
-                      <a:schemeClr val="tx1">
-                        <a:alpha val="30000"/>
-                      </a:schemeClr>
-                    </a:solidFill>
-                  </a:ln>
-                  <a:latin typeface="맑은 고딕" panose="020B0503020000020004" pitchFamily="50" charset="-127"/>
-                  <a:ea typeface="맑은 고딕" panose="020B0503020000020004" pitchFamily="50" charset="-127"/>
-                </a:rPr>
-                <a:t> == ‘P’ || </a:t>
-              </a:r>
-              <a:r>
-                <a:rPr lang="en-US" altLang="ko-KR" sz="1200" dirty="0" err="1">
-                  <a:ln>
-                    <a:solidFill>
-                      <a:schemeClr val="tx1">
-                        <a:alpha val="30000"/>
-                      </a:schemeClr>
-                    </a:solidFill>
-                  </a:ln>
-                  <a:latin typeface="맑은 고딕" panose="020B0503020000020004" pitchFamily="50" charset="-127"/>
-                  <a:ea typeface="맑은 고딕" panose="020B0503020000020004" pitchFamily="50" charset="-127"/>
-                </a:rPr>
-                <a:t>ch</a:t>
-              </a:r>
-              <a:r>
-                <a:rPr lang="en-US" altLang="ko-KR" sz="1200" dirty="0">
-                  <a:ln>
-                    <a:solidFill>
-                      <a:schemeClr val="tx1">
-                        <a:alpha val="30000"/>
-                      </a:schemeClr>
-                    </a:solidFill>
-                  </a:ln>
-                  <a:latin typeface="맑은 고딕" panose="020B0503020000020004" pitchFamily="50" charset="-127"/>
-                  <a:ea typeface="맑은 고딕" panose="020B0503020000020004" pitchFamily="50" charset="-127"/>
-                </a:rPr>
-                <a:t> == ‘p’) {</a:t>
-              </a:r>
-            </a:p>
-            <a:p>
-              <a:pPr algn="just"/>
-              <a:r>
-                <a:rPr lang="en-US" altLang="ko-KR" sz="1200" dirty="0">
-                  <a:ln>
-                    <a:solidFill>
-                      <a:schemeClr val="tx1">
-                        <a:alpha val="30000"/>
-                      </a:schemeClr>
-                    </a:solidFill>
-                  </a:ln>
-                  <a:latin typeface="맑은 고딕" panose="020B0503020000020004" pitchFamily="50" charset="-127"/>
-                  <a:ea typeface="맑은 고딕" panose="020B0503020000020004" pitchFamily="50" charset="-127"/>
-                </a:rPr>
-                <a:t>            scheduler = new </a:t>
-              </a:r>
-              <a:r>
-                <a:rPr lang="en-US" altLang="ko-KR" sz="1200" dirty="0" err="1">
-                  <a:ln>
-                    <a:solidFill>
-                      <a:schemeClr val="tx1">
-                        <a:alpha val="30000"/>
-                      </a:schemeClr>
-                    </a:solidFill>
-                  </a:ln>
-                  <a:latin typeface="맑은 고딕" panose="020B0503020000020004" pitchFamily="50" charset="-127"/>
-                  <a:ea typeface="맑은 고딕" panose="020B0503020000020004" pitchFamily="50" charset="-127"/>
-                </a:rPr>
-                <a:t>PriorityAllocation</a:t>
-              </a:r>
-              <a:r>
-                <a:rPr lang="en-US" altLang="ko-KR" sz="1200" dirty="0">
-                  <a:ln>
-                    <a:solidFill>
-                      <a:schemeClr val="tx1">
-                        <a:alpha val="30000"/>
-                      </a:schemeClr>
-                    </a:solidFill>
-                  </a:ln>
-                  <a:latin typeface="맑은 고딕" panose="020B0503020000020004" pitchFamily="50" charset="-127"/>
-                  <a:ea typeface="맑은 고딕" panose="020B0503020000020004" pitchFamily="50" charset="-127"/>
-                </a:rPr>
-                <a:t>();</a:t>
-              </a:r>
-            </a:p>
-            <a:p>
-              <a:pPr algn="just"/>
-              <a:r>
-                <a:rPr lang="en-US" altLang="ko-KR" sz="1200" dirty="0">
-                  <a:ln>
-                    <a:solidFill>
-                      <a:schemeClr val="tx1">
-                        <a:alpha val="30000"/>
-                      </a:schemeClr>
-                    </a:solidFill>
-                  </a:ln>
-                  <a:latin typeface="맑은 고딕" panose="020B0503020000020004" pitchFamily="50" charset="-127"/>
-                  <a:ea typeface="맑은 고딕" panose="020B0503020000020004" pitchFamily="50" charset="-127"/>
-                </a:rPr>
-                <a:t>        }</a:t>
-              </a:r>
-            </a:p>
-            <a:p>
-              <a:pPr algn="just"/>
-              <a:r>
-                <a:rPr lang="en-US" altLang="ko-KR" sz="1200" dirty="0">
-                  <a:ln>
-                    <a:solidFill>
-                      <a:schemeClr val="tx1">
-                        <a:alpha val="30000"/>
-                      </a:schemeClr>
-                    </a:solidFill>
-                  </a:ln>
-                  <a:latin typeface="맑은 고딕" panose="020B0503020000020004" pitchFamily="50" charset="-127"/>
-                  <a:ea typeface="맑은 고딕" panose="020B0503020000020004" pitchFamily="50" charset="-127"/>
-                </a:rPr>
-                <a:t>        else {</a:t>
-              </a:r>
-            </a:p>
-            <a:p>
-              <a:pPr algn="just"/>
-              <a:r>
-                <a:rPr lang="en-US" altLang="ko-KR" sz="1200" dirty="0">
-                  <a:ln>
-                    <a:solidFill>
-                      <a:schemeClr val="tx1">
-                        <a:alpha val="30000"/>
-                      </a:schemeClr>
-                    </a:solidFill>
-                  </a:ln>
-                  <a:latin typeface="맑은 고딕" panose="020B0503020000020004" pitchFamily="50" charset="-127"/>
-                  <a:ea typeface="맑은 고딕" panose="020B0503020000020004" pitchFamily="50" charset="-127"/>
-                </a:rPr>
-                <a:t>               </a:t>
-              </a:r>
-              <a:r>
-                <a:rPr lang="en-US" altLang="ko-KR" sz="1200" dirty="0" err="1">
-                  <a:ln>
-                    <a:solidFill>
-                      <a:schemeClr val="tx1">
-                        <a:alpha val="30000"/>
-                      </a:schemeClr>
-                    </a:solidFill>
-                  </a:ln>
-                  <a:latin typeface="맑은 고딕" panose="020B0503020000020004" pitchFamily="50" charset="-127"/>
-                  <a:ea typeface="맑은 고딕" panose="020B0503020000020004" pitchFamily="50" charset="-127"/>
-                </a:rPr>
-                <a:t>System.out.println</a:t>
-              </a:r>
-              <a:r>
-                <a:rPr lang="en-US" altLang="ko-KR" sz="1200" dirty="0">
-                  <a:ln>
-                    <a:solidFill>
-                      <a:schemeClr val="tx1">
-                        <a:alpha val="30000"/>
-                      </a:schemeClr>
-                    </a:solidFill>
-                  </a:ln>
-                  <a:latin typeface="맑은 고딕" panose="020B0503020000020004" pitchFamily="50" charset="-127"/>
-                  <a:ea typeface="맑은 고딕" panose="020B0503020000020004" pitchFamily="50" charset="-127"/>
-                </a:rPr>
-                <a:t>(“</a:t>
-              </a:r>
-              <a:r>
-                <a:rPr lang="ko-KR" altLang="en-US" sz="1200" dirty="0">
-                  <a:ln>
-                    <a:solidFill>
-                      <a:schemeClr val="tx1">
-                        <a:alpha val="30000"/>
-                      </a:schemeClr>
-                    </a:solidFill>
-                  </a:ln>
-                  <a:latin typeface="맑은 고딕" panose="020B0503020000020004" pitchFamily="50" charset="-127"/>
-                  <a:ea typeface="맑은 고딕" panose="020B0503020000020004" pitchFamily="50" charset="-127"/>
-                </a:rPr>
-                <a:t>지원하지 않는 기능입니다</a:t>
-              </a:r>
-              <a:r>
-                <a:rPr lang="en-US" altLang="ko-KR" sz="1200" dirty="0">
-                  <a:ln>
-                    <a:solidFill>
-                      <a:schemeClr val="tx1">
-                        <a:alpha val="30000"/>
-                      </a:schemeClr>
-                    </a:solidFill>
-                  </a:ln>
-                  <a:latin typeface="맑은 고딕" panose="020B0503020000020004" pitchFamily="50" charset="-127"/>
-                  <a:ea typeface="맑은 고딕" panose="020B0503020000020004" pitchFamily="50" charset="-127"/>
-                </a:rPr>
-                <a:t>.”);</a:t>
-              </a:r>
-            </a:p>
-            <a:p>
-              <a:pPr algn="just"/>
-              <a:r>
-                <a:rPr lang="en-US" altLang="ko-KR" sz="1200" dirty="0">
-                  <a:ln>
-                    <a:solidFill>
-                      <a:schemeClr val="tx1">
-                        <a:alpha val="30000"/>
-                      </a:schemeClr>
-                    </a:solidFill>
-                  </a:ln>
-                  <a:latin typeface="맑은 고딕" panose="020B0503020000020004" pitchFamily="50" charset="-127"/>
-                  <a:ea typeface="맑은 고딕" panose="020B0503020000020004" pitchFamily="50" charset="-127"/>
-                </a:rPr>
-                <a:t>               </a:t>
-              </a:r>
-              <a:r>
-                <a:rPr lang="en-US" altLang="ko-KR" sz="1200" dirty="0" err="1">
-                  <a:ln>
-                    <a:solidFill>
-                      <a:schemeClr val="tx1">
-                        <a:alpha val="30000"/>
-                      </a:schemeClr>
-                    </a:solidFill>
-                  </a:ln>
-                  <a:latin typeface="맑은 고딕" panose="020B0503020000020004" pitchFamily="50" charset="-127"/>
-                  <a:ea typeface="맑은 고딕" panose="020B0503020000020004" pitchFamily="50" charset="-127"/>
-                </a:rPr>
                 <a:t>isSupport</a:t>
               </a:r>
               <a:r>
@@ -7923,24 +7428,7 @@
                   <a:latin typeface="맑은 고딕" panose="020B0503020000020004" pitchFamily="50" charset="-127"/>
                   <a:ea typeface="맑은 고딕" panose="020B0503020000020004" pitchFamily="50" charset="-127"/>
                 </a:rPr>
-                <a:t> = false;</a:t>
-              </a:r>
-            </a:p>
-            <a:p>
-              <a:pPr algn="just"/>
-              <a:r>
-                <a:rPr lang="en-US" altLang="ko-KR" sz="1200" dirty="0">
-                  <a:ln>
-                    <a:solidFill>
-                      <a:schemeClr val="tx1">
-                        <a:alpha val="30000"/>
-                      </a:schemeClr>
-                    </a:solidFill>
-                  </a:ln>
-                  <a:latin typeface="맑은 고딕" panose="020B0503020000020004" pitchFamily="50" charset="-127"/>
-                  <a:ea typeface="맑은 고딕" panose="020B0503020000020004" pitchFamily="50" charset="-127"/>
-                </a:rPr>
-                <a:t>        }</a:t>
+                <a:t> = true;</a:t>
               </a:r>
             </a:p>
             <a:p>
@@ -7971,7 +7459,7 @@
                   <a:latin typeface="맑은 고딕" panose="020B0503020000020004" pitchFamily="50" charset="-127"/>
                   <a:ea typeface="맑은 고딕" panose="020B0503020000020004" pitchFamily="50" charset="-127"/>
                 </a:rPr>
-                <a:t>        if(</a:t>
+                <a:t>		Scheduler </a:t>
               </a:r>
               <a:r>
                 <a:rPr lang="en-US" altLang="ko-KR" sz="1200" dirty="0" err="1">
@@ -7985,6 +7473,677 @@
                   <a:latin typeface="맑은 고딕" panose="020B0503020000020004" pitchFamily="50" charset="-127"/>
                   <a:ea typeface="맑은 고딕" panose="020B0503020000020004" pitchFamily="50" charset="-127"/>
                 </a:rPr>
+                <a:t>scheduler</a:t>
+              </a:r>
+              <a:r>
+                <a:rPr lang="en-US" altLang="ko-KR" sz="1200" dirty="0">
+                  <a:ln>
+                    <a:solidFill>
+                      <a:schemeClr val="tx1">
+                        <a:alpha val="30000"/>
+                      </a:schemeClr>
+                    </a:solidFill>
+                  </a:ln>
+                  <a:latin typeface="맑은 고딕" panose="020B0503020000020004" pitchFamily="50" charset="-127"/>
+                  <a:ea typeface="맑은 고딕" panose="020B0503020000020004" pitchFamily="50" charset="-127"/>
+                </a:rPr>
+                <a:t> = null;</a:t>
+              </a:r>
+            </a:p>
+            <a:p>
+              <a:pPr algn="just"/>
+              <a:endParaRPr lang="en-US" altLang="ko-KR" sz="1200" dirty="0">
+                <a:ln>
+                  <a:solidFill>
+                    <a:schemeClr val="tx1">
+                      <a:alpha val="30000"/>
+                    </a:schemeClr>
+                  </a:solidFill>
+                </a:ln>
+                <a:latin typeface="맑은 고딕" panose="020B0503020000020004" pitchFamily="50" charset="-127"/>
+                <a:ea typeface="맑은 고딕" panose="020B0503020000020004" pitchFamily="50" charset="-127"/>
+              </a:endParaRPr>
+            </a:p>
+            <a:p>
+              <a:pPr algn="just"/>
+              <a:r>
+                <a:rPr lang="en-US" altLang="ko-KR" sz="1200" dirty="0">
+                  <a:ln>
+                    <a:solidFill>
+                      <a:schemeClr val="tx1">
+                        <a:alpha val="30000"/>
+                      </a:schemeClr>
+                    </a:solidFill>
+                  </a:ln>
+                  <a:latin typeface="맑은 고딕" panose="020B0503020000020004" pitchFamily="50" charset="-127"/>
+                  <a:ea typeface="맑은 고딕" panose="020B0503020000020004" pitchFamily="50" charset="-127"/>
+                </a:rPr>
+                <a:t>		if ("</a:t>
+              </a:r>
+              <a:r>
+                <a:rPr lang="en-US" altLang="ko-KR" sz="1200" dirty="0" err="1">
+                  <a:ln>
+                    <a:solidFill>
+                      <a:schemeClr val="tx1">
+                        <a:alpha val="30000"/>
+                      </a:schemeClr>
+                    </a:solidFill>
+                  </a:ln>
+                  <a:latin typeface="맑은 고딕" panose="020B0503020000020004" pitchFamily="50" charset="-127"/>
+                  <a:ea typeface="맑은 고딕" panose="020B0503020000020004" pitchFamily="50" charset="-127"/>
+                </a:rPr>
+                <a:t>r".equals</a:t>
+              </a:r>
+              <a:r>
+                <a:rPr lang="en-US" altLang="ko-KR" sz="1200" dirty="0">
+                  <a:ln>
+                    <a:solidFill>
+                      <a:schemeClr val="tx1">
+                        <a:alpha val="30000"/>
+                      </a:schemeClr>
+                    </a:solidFill>
+                  </a:ln>
+                  <a:latin typeface="맑은 고딕" panose="020B0503020000020004" pitchFamily="50" charset="-127"/>
+                  <a:ea typeface="맑은 고딕" panose="020B0503020000020004" pitchFamily="50" charset="-127"/>
+                </a:rPr>
+                <a:t>(</a:t>
+              </a:r>
+              <a:r>
+                <a:rPr lang="en-US" altLang="ko-KR" sz="1200" dirty="0" err="1">
+                  <a:ln>
+                    <a:solidFill>
+                      <a:schemeClr val="tx1">
+                        <a:alpha val="30000"/>
+                      </a:schemeClr>
+                    </a:solidFill>
+                  </a:ln>
+                  <a:latin typeface="맑은 고딕" panose="020B0503020000020004" pitchFamily="50" charset="-127"/>
+                  <a:ea typeface="맑은 고딕" panose="020B0503020000020004" pitchFamily="50" charset="-127"/>
+                </a:rPr>
+                <a:t>ch</a:t>
+              </a:r>
+              <a:r>
+                <a:rPr lang="en-US" altLang="ko-KR" sz="1200" dirty="0">
+                  <a:ln>
+                    <a:solidFill>
+                      <a:schemeClr val="tx1">
+                        <a:alpha val="30000"/>
+                      </a:schemeClr>
+                    </a:solidFill>
+                  </a:ln>
+                  <a:latin typeface="맑은 고딕" panose="020B0503020000020004" pitchFamily="50" charset="-127"/>
+                  <a:ea typeface="맑은 고딕" panose="020B0503020000020004" pitchFamily="50" charset="-127"/>
+                </a:rPr>
+                <a:t>) || "</a:t>
+              </a:r>
+              <a:r>
+                <a:rPr lang="en-US" altLang="ko-KR" sz="1200" dirty="0" err="1">
+                  <a:ln>
+                    <a:solidFill>
+                      <a:schemeClr val="tx1">
+                        <a:alpha val="30000"/>
+                      </a:schemeClr>
+                    </a:solidFill>
+                  </a:ln>
+                  <a:latin typeface="맑은 고딕" panose="020B0503020000020004" pitchFamily="50" charset="-127"/>
+                  <a:ea typeface="맑은 고딕" panose="020B0503020000020004" pitchFamily="50" charset="-127"/>
+                </a:rPr>
+                <a:t>R".equals</a:t>
+              </a:r>
+              <a:r>
+                <a:rPr lang="en-US" altLang="ko-KR" sz="1200" dirty="0">
+                  <a:ln>
+                    <a:solidFill>
+                      <a:schemeClr val="tx1">
+                        <a:alpha val="30000"/>
+                      </a:schemeClr>
+                    </a:solidFill>
+                  </a:ln>
+                  <a:latin typeface="맑은 고딕" panose="020B0503020000020004" pitchFamily="50" charset="-127"/>
+                  <a:ea typeface="맑은 고딕" panose="020B0503020000020004" pitchFamily="50" charset="-127"/>
+                </a:rPr>
+                <a:t>(</a:t>
+              </a:r>
+              <a:r>
+                <a:rPr lang="en-US" altLang="ko-KR" sz="1200" dirty="0" err="1">
+                  <a:ln>
+                    <a:solidFill>
+                      <a:schemeClr val="tx1">
+                        <a:alpha val="30000"/>
+                      </a:schemeClr>
+                    </a:solidFill>
+                  </a:ln>
+                  <a:latin typeface="맑은 고딕" panose="020B0503020000020004" pitchFamily="50" charset="-127"/>
+                  <a:ea typeface="맑은 고딕" panose="020B0503020000020004" pitchFamily="50" charset="-127"/>
+                </a:rPr>
+                <a:t>ch</a:t>
+              </a:r>
+              <a:r>
+                <a:rPr lang="en-US" altLang="ko-KR" sz="1200" dirty="0">
+                  <a:ln>
+                    <a:solidFill>
+                      <a:schemeClr val="tx1">
+                        <a:alpha val="30000"/>
+                      </a:schemeClr>
+                    </a:solidFill>
+                  </a:ln>
+                  <a:latin typeface="맑은 고딕" panose="020B0503020000020004" pitchFamily="50" charset="-127"/>
+                  <a:ea typeface="맑은 고딕" panose="020B0503020000020004" pitchFamily="50" charset="-127"/>
+                </a:rPr>
+                <a:t>)) {</a:t>
+              </a:r>
+            </a:p>
+            <a:p>
+              <a:pPr algn="just"/>
+              <a:r>
+                <a:rPr lang="en-US" altLang="ko-KR" sz="1200" dirty="0">
+                  <a:ln>
+                    <a:solidFill>
+                      <a:schemeClr val="tx1">
+                        <a:alpha val="30000"/>
+                      </a:schemeClr>
+                    </a:solidFill>
+                  </a:ln>
+                  <a:latin typeface="맑은 고딕" panose="020B0503020000020004" pitchFamily="50" charset="-127"/>
+                  <a:ea typeface="맑은 고딕" panose="020B0503020000020004" pitchFamily="50" charset="-127"/>
+                </a:rPr>
+                <a:t>			scheduler = new </a:t>
+              </a:r>
+              <a:r>
+                <a:rPr lang="en-US" altLang="ko-KR" sz="1200" dirty="0" err="1">
+                  <a:ln>
+                    <a:solidFill>
+                      <a:schemeClr val="tx1">
+                        <a:alpha val="30000"/>
+                      </a:schemeClr>
+                    </a:solidFill>
+                  </a:ln>
+                  <a:latin typeface="맑은 고딕" panose="020B0503020000020004" pitchFamily="50" charset="-127"/>
+                  <a:ea typeface="맑은 고딕" panose="020B0503020000020004" pitchFamily="50" charset="-127"/>
+                </a:rPr>
+                <a:t>RoundRobin</a:t>
+              </a:r>
+              <a:r>
+                <a:rPr lang="en-US" altLang="ko-KR" sz="1200" dirty="0">
+                  <a:ln>
+                    <a:solidFill>
+                      <a:schemeClr val="tx1">
+                        <a:alpha val="30000"/>
+                      </a:schemeClr>
+                    </a:solidFill>
+                  </a:ln>
+                  <a:latin typeface="맑은 고딕" panose="020B0503020000020004" pitchFamily="50" charset="-127"/>
+                  <a:ea typeface="맑은 고딕" panose="020B0503020000020004" pitchFamily="50" charset="-127"/>
+                </a:rPr>
+                <a:t>();</a:t>
+              </a:r>
+            </a:p>
+            <a:p>
+              <a:pPr algn="just"/>
+              <a:r>
+                <a:rPr lang="en-US" altLang="ko-KR" sz="1200" dirty="0">
+                  <a:ln>
+                    <a:solidFill>
+                      <a:schemeClr val="tx1">
+                        <a:alpha val="30000"/>
+                      </a:schemeClr>
+                    </a:solidFill>
+                  </a:ln>
+                  <a:latin typeface="맑은 고딕" panose="020B0503020000020004" pitchFamily="50" charset="-127"/>
+                  <a:ea typeface="맑은 고딕" panose="020B0503020000020004" pitchFamily="50" charset="-127"/>
+                </a:rPr>
+                <a:t>		} else if ("</a:t>
+              </a:r>
+              <a:r>
+                <a:rPr lang="en-US" altLang="ko-KR" sz="1200" dirty="0" err="1">
+                  <a:ln>
+                    <a:solidFill>
+                      <a:schemeClr val="tx1">
+                        <a:alpha val="30000"/>
+                      </a:schemeClr>
+                    </a:solidFill>
+                  </a:ln>
+                  <a:latin typeface="맑은 고딕" panose="020B0503020000020004" pitchFamily="50" charset="-127"/>
+                  <a:ea typeface="맑은 고딕" panose="020B0503020000020004" pitchFamily="50" charset="-127"/>
+                </a:rPr>
+                <a:t>l".equals</a:t>
+              </a:r>
+              <a:r>
+                <a:rPr lang="en-US" altLang="ko-KR" sz="1200" dirty="0">
+                  <a:ln>
+                    <a:solidFill>
+                      <a:schemeClr val="tx1">
+                        <a:alpha val="30000"/>
+                      </a:schemeClr>
+                    </a:solidFill>
+                  </a:ln>
+                  <a:latin typeface="맑은 고딕" panose="020B0503020000020004" pitchFamily="50" charset="-127"/>
+                  <a:ea typeface="맑은 고딕" panose="020B0503020000020004" pitchFamily="50" charset="-127"/>
+                </a:rPr>
+                <a:t>(</a:t>
+              </a:r>
+              <a:r>
+                <a:rPr lang="en-US" altLang="ko-KR" sz="1200" dirty="0" err="1">
+                  <a:ln>
+                    <a:solidFill>
+                      <a:schemeClr val="tx1">
+                        <a:alpha val="30000"/>
+                      </a:schemeClr>
+                    </a:solidFill>
+                  </a:ln>
+                  <a:latin typeface="맑은 고딕" panose="020B0503020000020004" pitchFamily="50" charset="-127"/>
+                  <a:ea typeface="맑은 고딕" panose="020B0503020000020004" pitchFamily="50" charset="-127"/>
+                </a:rPr>
+                <a:t>ch</a:t>
+              </a:r>
+              <a:r>
+                <a:rPr lang="en-US" altLang="ko-KR" sz="1200" dirty="0">
+                  <a:ln>
+                    <a:solidFill>
+                      <a:schemeClr val="tx1">
+                        <a:alpha val="30000"/>
+                      </a:schemeClr>
+                    </a:solidFill>
+                  </a:ln>
+                  <a:latin typeface="맑은 고딕" panose="020B0503020000020004" pitchFamily="50" charset="-127"/>
+                  <a:ea typeface="맑은 고딕" panose="020B0503020000020004" pitchFamily="50" charset="-127"/>
+                </a:rPr>
+                <a:t>) || "</a:t>
+              </a:r>
+              <a:r>
+                <a:rPr lang="en-US" altLang="ko-KR" sz="1200" dirty="0" err="1">
+                  <a:ln>
+                    <a:solidFill>
+                      <a:schemeClr val="tx1">
+                        <a:alpha val="30000"/>
+                      </a:schemeClr>
+                    </a:solidFill>
+                  </a:ln>
+                  <a:latin typeface="맑은 고딕" panose="020B0503020000020004" pitchFamily="50" charset="-127"/>
+                  <a:ea typeface="맑은 고딕" panose="020B0503020000020004" pitchFamily="50" charset="-127"/>
+                </a:rPr>
+                <a:t>L".equals</a:t>
+              </a:r>
+              <a:r>
+                <a:rPr lang="en-US" altLang="ko-KR" sz="1200" dirty="0">
+                  <a:ln>
+                    <a:solidFill>
+                      <a:schemeClr val="tx1">
+                        <a:alpha val="30000"/>
+                      </a:schemeClr>
+                    </a:solidFill>
+                  </a:ln>
+                  <a:latin typeface="맑은 고딕" panose="020B0503020000020004" pitchFamily="50" charset="-127"/>
+                  <a:ea typeface="맑은 고딕" panose="020B0503020000020004" pitchFamily="50" charset="-127"/>
+                </a:rPr>
+                <a:t>(</a:t>
+              </a:r>
+              <a:r>
+                <a:rPr lang="en-US" altLang="ko-KR" sz="1200" dirty="0" err="1">
+                  <a:ln>
+                    <a:solidFill>
+                      <a:schemeClr val="tx1">
+                        <a:alpha val="30000"/>
+                      </a:schemeClr>
+                    </a:solidFill>
+                  </a:ln>
+                  <a:latin typeface="맑은 고딕" panose="020B0503020000020004" pitchFamily="50" charset="-127"/>
+                  <a:ea typeface="맑은 고딕" panose="020B0503020000020004" pitchFamily="50" charset="-127"/>
+                </a:rPr>
+                <a:t>ch</a:t>
+              </a:r>
+              <a:r>
+                <a:rPr lang="en-US" altLang="ko-KR" sz="1200" dirty="0">
+                  <a:ln>
+                    <a:solidFill>
+                      <a:schemeClr val="tx1">
+                        <a:alpha val="30000"/>
+                      </a:schemeClr>
+                    </a:solidFill>
+                  </a:ln>
+                  <a:latin typeface="맑은 고딕" panose="020B0503020000020004" pitchFamily="50" charset="-127"/>
+                  <a:ea typeface="맑은 고딕" panose="020B0503020000020004" pitchFamily="50" charset="-127"/>
+                </a:rPr>
+                <a:t>)) {</a:t>
+              </a:r>
+            </a:p>
+            <a:p>
+              <a:pPr algn="just"/>
+              <a:r>
+                <a:rPr lang="en-US" altLang="ko-KR" sz="1200" dirty="0">
+                  <a:ln>
+                    <a:solidFill>
+                      <a:schemeClr val="tx1">
+                        <a:alpha val="30000"/>
+                      </a:schemeClr>
+                    </a:solidFill>
+                  </a:ln>
+                  <a:latin typeface="맑은 고딕" panose="020B0503020000020004" pitchFamily="50" charset="-127"/>
+                  <a:ea typeface="맑은 고딕" panose="020B0503020000020004" pitchFamily="50" charset="-127"/>
+                </a:rPr>
+                <a:t>			scheduler = new </a:t>
+              </a:r>
+              <a:r>
+                <a:rPr lang="en-US" altLang="ko-KR" sz="1200" dirty="0" err="1">
+                  <a:ln>
+                    <a:solidFill>
+                      <a:schemeClr val="tx1">
+                        <a:alpha val="30000"/>
+                      </a:schemeClr>
+                    </a:solidFill>
+                  </a:ln>
+                  <a:latin typeface="맑은 고딕" panose="020B0503020000020004" pitchFamily="50" charset="-127"/>
+                  <a:ea typeface="맑은 고딕" panose="020B0503020000020004" pitchFamily="50" charset="-127"/>
+                </a:rPr>
+                <a:t>LeastJob</a:t>
+              </a:r>
+              <a:r>
+                <a:rPr lang="en-US" altLang="ko-KR" sz="1200" dirty="0">
+                  <a:ln>
+                    <a:solidFill>
+                      <a:schemeClr val="tx1">
+                        <a:alpha val="30000"/>
+                      </a:schemeClr>
+                    </a:solidFill>
+                  </a:ln>
+                  <a:latin typeface="맑은 고딕" panose="020B0503020000020004" pitchFamily="50" charset="-127"/>
+                  <a:ea typeface="맑은 고딕" panose="020B0503020000020004" pitchFamily="50" charset="-127"/>
+                </a:rPr>
+                <a:t>();</a:t>
+              </a:r>
+            </a:p>
+            <a:p>
+              <a:pPr algn="just"/>
+              <a:r>
+                <a:rPr lang="en-US" altLang="ko-KR" sz="1200" dirty="0">
+                  <a:ln>
+                    <a:solidFill>
+                      <a:schemeClr val="tx1">
+                        <a:alpha val="30000"/>
+                      </a:schemeClr>
+                    </a:solidFill>
+                  </a:ln>
+                  <a:latin typeface="맑은 고딕" panose="020B0503020000020004" pitchFamily="50" charset="-127"/>
+                  <a:ea typeface="맑은 고딕" panose="020B0503020000020004" pitchFamily="50" charset="-127"/>
+                </a:rPr>
+                <a:t>		} else if ("</a:t>
+              </a:r>
+              <a:r>
+                <a:rPr lang="en-US" altLang="ko-KR" sz="1200" dirty="0" err="1">
+                  <a:ln>
+                    <a:solidFill>
+                      <a:schemeClr val="tx1">
+                        <a:alpha val="30000"/>
+                      </a:schemeClr>
+                    </a:solidFill>
+                  </a:ln>
+                  <a:latin typeface="맑은 고딕" panose="020B0503020000020004" pitchFamily="50" charset="-127"/>
+                  <a:ea typeface="맑은 고딕" panose="020B0503020000020004" pitchFamily="50" charset="-127"/>
+                </a:rPr>
+                <a:t>p".equals</a:t>
+              </a:r>
+              <a:r>
+                <a:rPr lang="en-US" altLang="ko-KR" sz="1200" dirty="0">
+                  <a:ln>
+                    <a:solidFill>
+                      <a:schemeClr val="tx1">
+                        <a:alpha val="30000"/>
+                      </a:schemeClr>
+                    </a:solidFill>
+                  </a:ln>
+                  <a:latin typeface="맑은 고딕" panose="020B0503020000020004" pitchFamily="50" charset="-127"/>
+                  <a:ea typeface="맑은 고딕" panose="020B0503020000020004" pitchFamily="50" charset="-127"/>
+                </a:rPr>
+                <a:t>(</a:t>
+              </a:r>
+              <a:r>
+                <a:rPr lang="en-US" altLang="ko-KR" sz="1200" dirty="0" err="1">
+                  <a:ln>
+                    <a:solidFill>
+                      <a:schemeClr val="tx1">
+                        <a:alpha val="30000"/>
+                      </a:schemeClr>
+                    </a:solidFill>
+                  </a:ln>
+                  <a:latin typeface="맑은 고딕" panose="020B0503020000020004" pitchFamily="50" charset="-127"/>
+                  <a:ea typeface="맑은 고딕" panose="020B0503020000020004" pitchFamily="50" charset="-127"/>
+                </a:rPr>
+                <a:t>ch</a:t>
+              </a:r>
+              <a:r>
+                <a:rPr lang="en-US" altLang="ko-KR" sz="1200" dirty="0">
+                  <a:ln>
+                    <a:solidFill>
+                      <a:schemeClr val="tx1">
+                        <a:alpha val="30000"/>
+                      </a:schemeClr>
+                    </a:solidFill>
+                  </a:ln>
+                  <a:latin typeface="맑은 고딕" panose="020B0503020000020004" pitchFamily="50" charset="-127"/>
+                  <a:ea typeface="맑은 고딕" panose="020B0503020000020004" pitchFamily="50" charset="-127"/>
+                </a:rPr>
+                <a:t>) || "</a:t>
+              </a:r>
+              <a:r>
+                <a:rPr lang="en-US" altLang="ko-KR" sz="1200" dirty="0" err="1">
+                  <a:ln>
+                    <a:solidFill>
+                      <a:schemeClr val="tx1">
+                        <a:alpha val="30000"/>
+                      </a:schemeClr>
+                    </a:solidFill>
+                  </a:ln>
+                  <a:latin typeface="맑은 고딕" panose="020B0503020000020004" pitchFamily="50" charset="-127"/>
+                  <a:ea typeface="맑은 고딕" panose="020B0503020000020004" pitchFamily="50" charset="-127"/>
+                </a:rPr>
+                <a:t>P".equals</a:t>
+              </a:r>
+              <a:r>
+                <a:rPr lang="en-US" altLang="ko-KR" sz="1200" dirty="0">
+                  <a:ln>
+                    <a:solidFill>
+                      <a:schemeClr val="tx1">
+                        <a:alpha val="30000"/>
+                      </a:schemeClr>
+                    </a:solidFill>
+                  </a:ln>
+                  <a:latin typeface="맑은 고딕" panose="020B0503020000020004" pitchFamily="50" charset="-127"/>
+                  <a:ea typeface="맑은 고딕" panose="020B0503020000020004" pitchFamily="50" charset="-127"/>
+                </a:rPr>
+                <a:t>(</a:t>
+              </a:r>
+              <a:r>
+                <a:rPr lang="en-US" altLang="ko-KR" sz="1200" dirty="0" err="1">
+                  <a:ln>
+                    <a:solidFill>
+                      <a:schemeClr val="tx1">
+                        <a:alpha val="30000"/>
+                      </a:schemeClr>
+                    </a:solidFill>
+                  </a:ln>
+                  <a:latin typeface="맑은 고딕" panose="020B0503020000020004" pitchFamily="50" charset="-127"/>
+                  <a:ea typeface="맑은 고딕" panose="020B0503020000020004" pitchFamily="50" charset="-127"/>
+                </a:rPr>
+                <a:t>ch</a:t>
+              </a:r>
+              <a:r>
+                <a:rPr lang="en-US" altLang="ko-KR" sz="1200" dirty="0">
+                  <a:ln>
+                    <a:solidFill>
+                      <a:schemeClr val="tx1">
+                        <a:alpha val="30000"/>
+                      </a:schemeClr>
+                    </a:solidFill>
+                  </a:ln>
+                  <a:latin typeface="맑은 고딕" panose="020B0503020000020004" pitchFamily="50" charset="-127"/>
+                  <a:ea typeface="맑은 고딕" panose="020B0503020000020004" pitchFamily="50" charset="-127"/>
+                </a:rPr>
+                <a:t>)) {</a:t>
+              </a:r>
+            </a:p>
+            <a:p>
+              <a:pPr algn="just"/>
+              <a:r>
+                <a:rPr lang="en-US" altLang="ko-KR" sz="1200" dirty="0">
+                  <a:ln>
+                    <a:solidFill>
+                      <a:schemeClr val="tx1">
+                        <a:alpha val="30000"/>
+                      </a:schemeClr>
+                    </a:solidFill>
+                  </a:ln>
+                  <a:latin typeface="맑은 고딕" panose="020B0503020000020004" pitchFamily="50" charset="-127"/>
+                  <a:ea typeface="맑은 고딕" panose="020B0503020000020004" pitchFamily="50" charset="-127"/>
+                </a:rPr>
+                <a:t>			scheduler = new </a:t>
+              </a:r>
+              <a:r>
+                <a:rPr lang="en-US" altLang="ko-KR" sz="1200" dirty="0" err="1">
+                  <a:ln>
+                    <a:solidFill>
+                      <a:schemeClr val="tx1">
+                        <a:alpha val="30000"/>
+                      </a:schemeClr>
+                    </a:solidFill>
+                  </a:ln>
+                  <a:latin typeface="맑은 고딕" panose="020B0503020000020004" pitchFamily="50" charset="-127"/>
+                  <a:ea typeface="맑은 고딕" panose="020B0503020000020004" pitchFamily="50" charset="-127"/>
+                </a:rPr>
+                <a:t>PriorityAllocation</a:t>
+              </a:r>
+              <a:r>
+                <a:rPr lang="en-US" altLang="ko-KR" sz="1200" dirty="0">
+                  <a:ln>
+                    <a:solidFill>
+                      <a:schemeClr val="tx1">
+                        <a:alpha val="30000"/>
+                      </a:schemeClr>
+                    </a:solidFill>
+                  </a:ln>
+                  <a:latin typeface="맑은 고딕" panose="020B0503020000020004" pitchFamily="50" charset="-127"/>
+                  <a:ea typeface="맑은 고딕" panose="020B0503020000020004" pitchFamily="50" charset="-127"/>
+                </a:rPr>
+                <a:t>();</a:t>
+              </a:r>
+            </a:p>
+            <a:p>
+              <a:pPr algn="just"/>
+              <a:r>
+                <a:rPr lang="en-US" altLang="ko-KR" sz="1200" dirty="0">
+                  <a:ln>
+                    <a:solidFill>
+                      <a:schemeClr val="tx1">
+                        <a:alpha val="30000"/>
+                      </a:schemeClr>
+                    </a:solidFill>
+                  </a:ln>
+                  <a:latin typeface="맑은 고딕" panose="020B0503020000020004" pitchFamily="50" charset="-127"/>
+                  <a:ea typeface="맑은 고딕" panose="020B0503020000020004" pitchFamily="50" charset="-127"/>
+                </a:rPr>
+                <a:t>		} else {</a:t>
+              </a:r>
+            </a:p>
+            <a:p>
+              <a:pPr algn="just"/>
+              <a:r>
+                <a:rPr lang="en-US" altLang="ko-KR" sz="1200" dirty="0">
+                  <a:ln>
+                    <a:solidFill>
+                      <a:schemeClr val="tx1">
+                        <a:alpha val="30000"/>
+                      </a:schemeClr>
+                    </a:solidFill>
+                  </a:ln>
+                  <a:latin typeface="맑은 고딕" panose="020B0503020000020004" pitchFamily="50" charset="-127"/>
+                  <a:ea typeface="맑은 고딕" panose="020B0503020000020004" pitchFamily="50" charset="-127"/>
+                </a:rPr>
+                <a:t>			</a:t>
+              </a:r>
+              <a:r>
+                <a:rPr lang="en-US" altLang="ko-KR" sz="1200" dirty="0" err="1">
+                  <a:ln>
+                    <a:solidFill>
+                      <a:schemeClr val="tx1">
+                        <a:alpha val="30000"/>
+                      </a:schemeClr>
+                    </a:solidFill>
+                  </a:ln>
+                  <a:latin typeface="맑은 고딕" panose="020B0503020000020004" pitchFamily="50" charset="-127"/>
+                  <a:ea typeface="맑은 고딕" panose="020B0503020000020004" pitchFamily="50" charset="-127"/>
+                </a:rPr>
+                <a:t>System.out.println</a:t>
+              </a:r>
+              <a:r>
+                <a:rPr lang="en-US" altLang="ko-KR" sz="1200" dirty="0">
+                  <a:ln>
+                    <a:solidFill>
+                      <a:schemeClr val="tx1">
+                        <a:alpha val="30000"/>
+                      </a:schemeClr>
+                    </a:solidFill>
+                  </a:ln>
+                  <a:latin typeface="맑은 고딕" panose="020B0503020000020004" pitchFamily="50" charset="-127"/>
+                  <a:ea typeface="맑은 고딕" panose="020B0503020000020004" pitchFamily="50" charset="-127"/>
+                </a:rPr>
+                <a:t>("</a:t>
+              </a:r>
+              <a:r>
+                <a:rPr lang="ko-KR" altLang="en-US" sz="1200" dirty="0">
+                  <a:ln>
+                    <a:solidFill>
+                      <a:schemeClr val="tx1">
+                        <a:alpha val="30000"/>
+                      </a:schemeClr>
+                    </a:solidFill>
+                  </a:ln>
+                  <a:latin typeface="맑은 고딕" panose="020B0503020000020004" pitchFamily="50" charset="-127"/>
+                  <a:ea typeface="맑은 고딕" panose="020B0503020000020004" pitchFamily="50" charset="-127"/>
+                </a:rPr>
+                <a:t>지원하지 않는 기능입니다</a:t>
+              </a:r>
+              <a:r>
+                <a:rPr lang="en-US" altLang="ko-KR" sz="1200" dirty="0">
+                  <a:ln>
+                    <a:solidFill>
+                      <a:schemeClr val="tx1">
+                        <a:alpha val="30000"/>
+                      </a:schemeClr>
+                    </a:solidFill>
+                  </a:ln>
+                  <a:latin typeface="맑은 고딕" panose="020B0503020000020004" pitchFamily="50" charset="-127"/>
+                  <a:ea typeface="맑은 고딕" panose="020B0503020000020004" pitchFamily="50" charset="-127"/>
+                </a:rPr>
+                <a:t>.");</a:t>
+              </a:r>
+            </a:p>
+            <a:p>
+              <a:pPr algn="just"/>
+              <a:r>
+                <a:rPr lang="en-US" altLang="ko-KR" sz="1200" dirty="0">
+                  <a:ln>
+                    <a:solidFill>
+                      <a:schemeClr val="tx1">
+                        <a:alpha val="30000"/>
+                      </a:schemeClr>
+                    </a:solidFill>
+                  </a:ln>
+                  <a:latin typeface="맑은 고딕" panose="020B0503020000020004" pitchFamily="50" charset="-127"/>
+                  <a:ea typeface="맑은 고딕" panose="020B0503020000020004" pitchFamily="50" charset="-127"/>
+                </a:rPr>
+                <a:t>			</a:t>
+              </a:r>
+              <a:r>
+                <a:rPr lang="en-US" altLang="ko-KR" sz="1200" dirty="0" err="1">
+                  <a:ln>
+                    <a:solidFill>
+                      <a:schemeClr val="tx1">
+                        <a:alpha val="30000"/>
+                      </a:schemeClr>
+                    </a:solidFill>
+                  </a:ln>
+                  <a:latin typeface="맑은 고딕" panose="020B0503020000020004" pitchFamily="50" charset="-127"/>
+                  <a:ea typeface="맑은 고딕" panose="020B0503020000020004" pitchFamily="50" charset="-127"/>
+                </a:rPr>
                 <a:t>isSupport</a:t>
               </a:r>
               <a:r>
@@ -7999,6 +8158,82 @@
                   <a:latin typeface="맑은 고딕" panose="020B0503020000020004" pitchFamily="50" charset="-127"/>
                   <a:ea typeface="맑은 고딕" panose="020B0503020000020004" pitchFamily="50" charset="-127"/>
                 </a:rPr>
+                <a:t> = false;</a:t>
+              </a:r>
+            </a:p>
+            <a:p>
+              <a:pPr algn="just"/>
+              <a:r>
+                <a:rPr lang="en-US" altLang="ko-KR" sz="1200" dirty="0">
+                  <a:ln>
+                    <a:solidFill>
+                      <a:schemeClr val="tx1">
+                        <a:alpha val="30000"/>
+                      </a:schemeClr>
+                    </a:solidFill>
+                  </a:ln>
+                  <a:latin typeface="맑은 고딕" panose="020B0503020000020004" pitchFamily="50" charset="-127"/>
+                  <a:ea typeface="맑은 고딕" panose="020B0503020000020004" pitchFamily="50" charset="-127"/>
+                </a:rPr>
+                <a:t>		}</a:t>
+              </a:r>
+            </a:p>
+            <a:p>
+              <a:pPr algn="just"/>
+              <a:endParaRPr lang="en-US" altLang="ko-KR" sz="1200" dirty="0">
+                <a:ln>
+                  <a:solidFill>
+                    <a:schemeClr val="tx1">
+                      <a:alpha val="30000"/>
+                    </a:schemeClr>
+                  </a:solidFill>
+                </a:ln>
+                <a:latin typeface="맑은 고딕" panose="020B0503020000020004" pitchFamily="50" charset="-127"/>
+                <a:ea typeface="맑은 고딕" panose="020B0503020000020004" pitchFamily="50" charset="-127"/>
+              </a:endParaRPr>
+            </a:p>
+            <a:p>
+              <a:pPr algn="just"/>
+              <a:r>
+                <a:rPr lang="en-US" altLang="ko-KR" sz="1200" dirty="0">
+                  <a:ln>
+                    <a:solidFill>
+                      <a:schemeClr val="tx1">
+                        <a:alpha val="30000"/>
+                      </a:schemeClr>
+                    </a:solidFill>
+                  </a:ln>
+                  <a:latin typeface="맑은 고딕" panose="020B0503020000020004" pitchFamily="50" charset="-127"/>
+                  <a:ea typeface="맑은 고딕" panose="020B0503020000020004" pitchFamily="50" charset="-127"/>
+                </a:rPr>
+                <a:t>		if (</a:t>
+              </a:r>
+              <a:r>
+                <a:rPr lang="en-US" altLang="ko-KR" sz="1200" dirty="0" err="1">
+                  <a:ln>
+                    <a:solidFill>
+                      <a:schemeClr val="tx1">
+                        <a:alpha val="30000"/>
+                      </a:schemeClr>
+                    </a:solidFill>
+                  </a:ln>
+                  <a:latin typeface="맑은 고딕" panose="020B0503020000020004" pitchFamily="50" charset="-127"/>
+                  <a:ea typeface="맑은 고딕" panose="020B0503020000020004" pitchFamily="50" charset="-127"/>
+                </a:rPr>
+                <a:t>isSupport</a:t>
+              </a:r>
+              <a:r>
+                <a:rPr lang="en-US" altLang="ko-KR" sz="1200" dirty="0">
+                  <a:ln>
+                    <a:solidFill>
+                      <a:schemeClr val="tx1">
+                        <a:alpha val="30000"/>
+                      </a:schemeClr>
+                    </a:solidFill>
+                  </a:ln>
+                  <a:latin typeface="맑은 고딕" panose="020B0503020000020004" pitchFamily="50" charset="-127"/>
+                  <a:ea typeface="맑은 고딕" panose="020B0503020000020004" pitchFamily="50" charset="-127"/>
+                </a:rPr>
                 <a:t> == true) {</a:t>
               </a:r>
             </a:p>
@@ -8016,7 +8251,7 @@
                   <a:latin typeface="맑은 고딕" panose="020B0503020000020004" pitchFamily="50" charset="-127"/>
                   <a:ea typeface="맑은 고딕" panose="020B0503020000020004" pitchFamily="50" charset="-127"/>
                 </a:rPr>
-                <a:t>            </a:t>
+                <a:t>			</a:t>
               </a:r>
               <a:r>
                 <a:rPr lang="en-US" altLang="ko-KR" sz="1200" dirty="0" err="1">
@@ -8061,7 +8296,7 @@
                   <a:latin typeface="맑은 고딕" panose="020B0503020000020004" pitchFamily="50" charset="-127"/>
                   <a:ea typeface="맑은 고딕" panose="020B0503020000020004" pitchFamily="50" charset="-127"/>
                 </a:rPr>
-                <a:t>            </a:t>
+                <a:t>			</a:t>
               </a:r>
               <a:r>
                 <a:rPr lang="en-US" altLang="ko-KR" sz="1200" dirty="0" err="1">
@@ -8106,7 +8341,7 @@
                   <a:latin typeface="맑은 고딕" panose="020B0503020000020004" pitchFamily="50" charset="-127"/>
                   <a:ea typeface="맑은 고딕" panose="020B0503020000020004" pitchFamily="50" charset="-127"/>
                 </a:rPr>
-                <a:t>        }</a:t>
+                <a:t>		}</a:t>
               </a:r>
             </a:p>
             <a:p>
@@ -18224,7 +18459,7 @@
                   <a:latin typeface="맑은 고딕" panose="020B0503020000020004" pitchFamily="50" charset="-127"/>
                   <a:ea typeface="맑은 고딕" panose="020B0503020000020004" pitchFamily="50" charset="-127"/>
                 </a:rPr>
-                <a:t>substrace</a:t>
+                <a:t>substract</a:t>
               </a:r>
               <a:r>
                 <a:rPr lang="en-US" altLang="ko-KR" sz="1200" dirty="0">
